--- a/Discussions/Relations.pptx
+++ b/Discussions/Relations.pptx
@@ -107,6 +107,11 @@
       </a:defRPr>
     </a:lvl9pPr>
   </p:defaultTextStyle>
+  <p:extLst>
+    <p:ext uri="{EFAFB233-063F-42B5-8137-9DF3F51BA10A}">
+      <p15:sldGuideLst xmlns:p15="http://schemas.microsoft.com/office/powerpoint/2012/main"/>
+    </p:ext>
+  </p:extLst>
 </p:presentation>
 </file>
 
@@ -155,7 +160,6 @@
               <a:rPr lang="en-US"/>
               <a:t>Click to edit Master title style</a:t>
             </a:r>
-            <a:endParaRPr lang="en-US"/>
           </a:p>
         </p:txBody>
       </p:sp>
@@ -220,7 +224,6 @@
               <a:rPr lang="en-US"/>
               <a:t>Click to edit Master subtitle style</a:t>
             </a:r>
-            <a:endParaRPr lang="en-US"/>
           </a:p>
         </p:txBody>
       </p:sp>
@@ -338,7 +341,6 @@
               <a:rPr lang="en-US"/>
               <a:t>Click to edit Master title style</a:t>
             </a:r>
-            <a:endParaRPr lang="en-US"/>
           </a:p>
         </p:txBody>
       </p:sp>
@@ -390,7 +392,6 @@
               <a:rPr lang="en-US"/>
               <a:t>Fifth level</a:t>
             </a:r>
-            <a:endParaRPr lang="en-US"/>
           </a:p>
         </p:txBody>
       </p:sp>
@@ -513,7 +514,6 @@
               <a:rPr lang="en-US"/>
               <a:t>Click to edit Master title style</a:t>
             </a:r>
-            <a:endParaRPr lang="en-US"/>
           </a:p>
         </p:txBody>
       </p:sp>
@@ -570,7 +570,6 @@
               <a:rPr lang="en-US"/>
               <a:t>Fifth level</a:t>
             </a:r>
-            <a:endParaRPr lang="en-US"/>
           </a:p>
         </p:txBody>
       </p:sp>
@@ -688,7 +687,6 @@
               <a:rPr lang="en-US"/>
               <a:t>Click to edit Master title style</a:t>
             </a:r>
-            <a:endParaRPr lang="en-US"/>
           </a:p>
         </p:txBody>
       </p:sp>
@@ -740,7 +738,6 @@
               <a:rPr lang="en-US"/>
               <a:t>Fifth level</a:t>
             </a:r>
-            <a:endParaRPr lang="en-US"/>
           </a:p>
         </p:txBody>
       </p:sp>
@@ -867,7 +864,6 @@
               <a:rPr lang="en-US"/>
               <a:t>Click to edit Master title style</a:t>
             </a:r>
-            <a:endParaRPr lang="en-US"/>
           </a:p>
         </p:txBody>
       </p:sp>
@@ -1104,7 +1100,6 @@
               <a:rPr lang="en-US"/>
               <a:t>Click to edit Master title style</a:t>
             </a:r>
-            <a:endParaRPr lang="en-US"/>
           </a:p>
         </p:txBody>
       </p:sp>
@@ -1161,7 +1156,6 @@
               <a:rPr lang="en-US"/>
               <a:t>Fifth level</a:t>
             </a:r>
-            <a:endParaRPr lang="en-US"/>
           </a:p>
         </p:txBody>
       </p:sp>
@@ -1218,7 +1212,6 @@
               <a:rPr lang="en-US"/>
               <a:t>Fifth level</a:t>
             </a:r>
-            <a:endParaRPr lang="en-US"/>
           </a:p>
         </p:txBody>
       </p:sp>
@@ -1341,7 +1334,6 @@
               <a:rPr lang="en-US"/>
               <a:t>Click to edit Master title style</a:t>
             </a:r>
-            <a:endParaRPr lang="en-US"/>
           </a:p>
         </p:txBody>
       </p:sp>
@@ -1463,7 +1455,6 @@
               <a:rPr lang="en-US"/>
               <a:t>Fifth level</a:t>
             </a:r>
-            <a:endParaRPr lang="en-US"/>
           </a:p>
         </p:txBody>
       </p:sp>
@@ -1585,7 +1576,6 @@
               <a:rPr lang="en-US"/>
               <a:t>Fifth level</a:t>
             </a:r>
-            <a:endParaRPr lang="en-US"/>
           </a:p>
         </p:txBody>
       </p:sp>
@@ -1703,7 +1693,6 @@
               <a:rPr lang="en-US"/>
               <a:t>Click to edit Master title style</a:t>
             </a:r>
-            <a:endParaRPr lang="en-US"/>
           </a:p>
         </p:txBody>
       </p:sp>
@@ -1925,7 +1914,6 @@
               <a:rPr lang="en-US"/>
               <a:t>Click to edit Master title style</a:t>
             </a:r>
-            <a:endParaRPr lang="en-US"/>
           </a:p>
         </p:txBody>
       </p:sp>
@@ -2010,7 +1998,6 @@
               <a:rPr lang="en-US"/>
               <a:t>Fifth level</a:t>
             </a:r>
-            <a:endParaRPr lang="en-US"/>
           </a:p>
         </p:txBody>
       </p:sp>
@@ -2202,7 +2189,6 @@
               <a:rPr lang="en-US"/>
               <a:t>Click to edit Master title style</a:t>
             </a:r>
-            <a:endParaRPr lang="en-US"/>
           </a:p>
         </p:txBody>
       </p:sp>
@@ -2461,7 +2447,6 @@
               <a:rPr lang="en-US"/>
               <a:t>Click to edit Master title style</a:t>
             </a:r>
-            <a:endParaRPr lang="en-US"/>
           </a:p>
         </p:txBody>
       </p:sp>
@@ -2523,7 +2508,6 @@
               <a:rPr lang="en-US"/>
               <a:t>Fifth level</a:t>
             </a:r>
-            <a:endParaRPr lang="en-US"/>
           </a:p>
         </p:txBody>
       </p:sp>
@@ -3405,17 +3389,13 @@
             </a:r>
           </a:p>
           <a:p>
-            <a:pPr lvl="1"/>
-            <a:r>
-              <a:rPr lang="en-US" dirty="0"/>
-              <a:t>&lt;thing&gt; is of type &lt;type&gt; : sparky is a dog</a:t>
-            </a:r>
-          </a:p>
-          <a:p>
-            <a:pPr lvl="1"/>
-            <a:r>
-              <a:rPr lang="en-US" dirty="0"/>
-              <a:t>&lt;type&gt;(thing) : dog(sparky)</a:t>
+            <a:pPr marL="914400" lvl="1" indent="-457200">
+              <a:buFont typeface="+mj-lt"/>
+              <a:buAutoNum type="arabicPeriod"/>
+            </a:pPr>
+            <a:r>
+              <a:rPr lang="en-US" dirty="0"/>
+              <a:t>MM should be capable of representing I.T. models as well as concepts.</a:t>
             </a:r>
           </a:p>
           <a:p>
